--- a/target/classes/models/CertificateNR15.pptx
+++ b/target/classes/models/CertificateNR15.pptx
@@ -7588,7 +7588,7 @@
         <p:spPr bwMode="auto">
           <a:xfrm>
             <a:off x="936876" y="2366189"/>
-            <a:ext cx="7571874" cy="2246769"/>
+            <a:ext cx="7571874" cy="1969770"/>
           </a:xfrm>
           <a:prstGeom prst="rect">
             <a:avLst/>
@@ -7744,22 +7744,22 @@
               <a:t>que {{NOME}}, </a:t>
             </a:r>
             <a:r>
+              <a:rPr lang="pt-BR" altLang="pt-BR">
+                <a:latin typeface="Arial" panose="020B0604020202020204" pitchFamily="34" charset="0"/>
+              </a:rPr>
+              <a:t>portador </a:t>
+            </a:r>
+            <a:r>
+              <a:rPr lang="pt-BR" altLang="pt-BR" smtClean="0">
+                <a:latin typeface="Arial" panose="020B0604020202020204" pitchFamily="34" charset="0"/>
+              </a:rPr>
+              <a:t>do CPF </a:t>
+            </a:r>
+            <a:r>
               <a:rPr lang="pt-BR" altLang="pt-BR" dirty="0">
                 <a:latin typeface="Arial" panose="020B0604020202020204" pitchFamily="34" charset="0"/>
               </a:rPr>
-              <a:t>portador do RG nº </a:t>
-            </a:r>
-            <a:r>
-              <a:rPr lang="pt-BR" altLang="pt-BR" dirty="0" smtClean="0">
-                <a:latin typeface="Arial" panose="020B0604020202020204" pitchFamily="34" charset="0"/>
-              </a:rPr>
-              <a:t>{{RG}} </a:t>
-            </a:r>
-            <a:r>
-              <a:rPr lang="pt-BR" altLang="pt-BR" dirty="0">
-                <a:latin typeface="Arial" panose="020B0604020202020204" pitchFamily="34" charset="0"/>
-              </a:rPr>
-              <a:t>e CPF nº </a:t>
+              <a:t>nº </a:t>
             </a:r>
             <a:r>
               <a:rPr lang="pt-BR" altLang="pt-BR" dirty="0" smtClean="0">
@@ -7816,16 +7816,10 @@
               <a:rPr lang="pt-BR" altLang="pt-BR" sz="1400" dirty="0">
                 <a:latin typeface="Arial" panose="020B0604020202020204" pitchFamily="34" charset="0"/>
               </a:rPr>
-              <a:t>São Carlos</a:t>
-            </a:r>
-            <a:r>
-              <a:rPr lang="pt-BR" altLang="pt-BR" sz="1400">
-                <a:latin typeface="Arial" panose="020B0604020202020204" pitchFamily="34" charset="0"/>
-              </a:rPr>
-              <a:t>, </a:t>
-            </a:r>
-            <a:r>
-              <a:rPr lang="pt-BR" altLang="pt-BR" sz="1400" smtClean="0">
+              <a:t>São Carlos, </a:t>
+            </a:r>
+            <a:r>
+              <a:rPr lang="pt-BR" altLang="pt-BR" sz="1400" dirty="0" smtClean="0">
                 <a:latin typeface="Arial" panose="020B0604020202020204" pitchFamily="34" charset="0"/>
               </a:rPr>
               <a:t>{{DATA}}</a:t>
